--- a/lectures/4-02_Introduction/introduction-to-class.pptx
+++ b/lectures/4-02_Introduction/introduction-to-class.pptx
@@ -256,7 +256,7 @@
           <a:p>
             <a:fld id="{0CECDA08-56AB-4730-81AB-F05C7E272AAC}" type="datetimeFigureOut">
               <a:rPr lang="en-US" smtClean="0"/>
-              <a:t>3/27/2018</a:t>
+              <a:t>4/2/2019</a:t>
             </a:fld>
             <a:endParaRPr lang="en-US"/>
           </a:p>
@@ -449,7 +449,7 @@
               <a:pPr>
                 <a:defRPr/>
               </a:pPr>
-              <a:t>3/27/2018</a:t>
+              <a:t>4/2/2019</a:t>
             </a:fld>
             <a:endParaRPr lang="en-US"/>
           </a:p>
@@ -485,7 +485,7 @@
           <a:lstStyle/>
           <a:p>
             <a:pPr lvl="0"/>
-            <a:endParaRPr lang="en-US" noProof="0" smtClean="0"/>
+            <a:endParaRPr lang="en-US" noProof="0"/>
           </a:p>
         </p:txBody>
       </p:sp>
@@ -516,35 +516,35 @@
           <a:p>
             <a:pPr lvl="0"/>
             <a:r>
-              <a:rPr lang="en-US" noProof="0" smtClean="0"/>
+              <a:rPr lang="en-US" noProof="0"/>
               <a:t>Click to edit Master text styles</a:t>
             </a:r>
           </a:p>
           <a:p>
             <a:pPr lvl="1"/>
             <a:r>
-              <a:rPr lang="en-US" noProof="0" smtClean="0"/>
+              <a:rPr lang="en-US" noProof="0"/>
               <a:t>Second level</a:t>
             </a:r>
           </a:p>
           <a:p>
             <a:pPr lvl="2"/>
             <a:r>
-              <a:rPr lang="en-US" noProof="0" smtClean="0"/>
+              <a:rPr lang="en-US" noProof="0"/>
               <a:t>Third level</a:t>
             </a:r>
           </a:p>
           <a:p>
             <a:pPr lvl="3"/>
             <a:r>
-              <a:rPr lang="en-US" noProof="0" smtClean="0"/>
+              <a:rPr lang="en-US" noProof="0"/>
               <a:t>Fourth level</a:t>
             </a:r>
           </a:p>
           <a:p>
             <a:pPr lvl="4"/>
             <a:r>
-              <a:rPr lang="en-US" noProof="0" smtClean="0"/>
+              <a:rPr lang="en-US" noProof="0"/>
               <a:t>Fifth level</a:t>
             </a:r>
           </a:p>
@@ -1093,7 +1093,7 @@
               <a:defRPr/>
             </a:pPr>
             <a:r>
-              <a:rPr lang="en-US" sz="1200" smtClean="0">
+              <a:rPr lang="en-US" sz="1200">
                 <a:solidFill>
                   <a:schemeClr val="bg1"/>
                 </a:solidFill>
@@ -1103,7 +1103,7 @@
               <a:t>Jeremy</a:t>
             </a:r>
             <a:r>
-              <a:rPr lang="en-US" sz="1200" baseline="0" smtClean="0">
+              <a:rPr lang="en-US" sz="1200" baseline="0">
                 <a:solidFill>
                   <a:schemeClr val="bg1"/>
                 </a:solidFill>
@@ -1151,10 +1151,9 @@
           </a:lstStyle>
           <a:p>
             <a:r>
-              <a:rPr lang="en-US" smtClean="0"/>
+              <a:rPr lang="en-US"/>
               <a:t>Click to edit Master title style</a:t>
             </a:r>
-            <a:endParaRPr lang="en-US"/>
           </a:p>
         </p:txBody>
       </p:sp>
@@ -1268,7 +1267,7 @@
           </a:lstStyle>
           <a:p>
             <a:r>
-              <a:rPr lang="en-US" smtClean="0"/>
+              <a:rPr lang="en-US"/>
               <a:t>Click to edit Master subtitle style</a:t>
             </a:r>
             <a:endParaRPr lang="en-US" dirty="0"/>
@@ -1308,7 +1307,7 @@
             </a:pPr>
             <a:fld id="{C26C7F60-74F7-42E4-9AB6-D52C6CF3F863}" type="datetime1">
               <a:rPr lang="en-US" smtClean="0"/>
-              <a:t>3/27/2018</a:t>
+              <a:t>4/2/2019</a:t>
             </a:fld>
             <a:endParaRPr lang="en-US"/>
           </a:p>
@@ -1346,10 +1345,9 @@
               <a:defRPr/>
             </a:pPr>
             <a:r>
-              <a:rPr lang="en-US" dirty="0" smtClean="0"/>
-              <a:t>Risk Sensitive Business Cycles</a:t>
-            </a:r>
-            <a:endParaRPr lang="en-US" dirty="0"/>
+              <a:rPr lang="en-US" dirty="0"/>
+              <a:t>Introduction to Class</a:t>
+            </a:r>
           </a:p>
         </p:txBody>
       </p:sp>
@@ -1400,13 +1398,6 @@
   <p:clrMapOvr>
     <a:masterClrMapping/>
   </p:clrMapOvr>
-  <p:timing>
-    <p:tnLst>
-      <p:par>
-        <p:cTn id="1" dur="indefinite" restart="never" nodeType="tmRoot"/>
-      </p:par>
-    </p:tnLst>
-  </p:timing>
 </p:sldLayout>
 </file>
 
@@ -1443,10 +1434,9 @@
           <a:lstStyle/>
           <a:p>
             <a:r>
-              <a:rPr lang="en-US" smtClean="0"/>
+              <a:rPr lang="en-US"/>
               <a:t>Click to edit Master title style</a:t>
             </a:r>
-            <a:endParaRPr lang="en-US"/>
           </a:p>
         </p:txBody>
       </p:sp>
@@ -1467,38 +1457,37 @@
           <a:p>
             <a:pPr lvl="0"/>
             <a:r>
-              <a:rPr lang="en-US" smtClean="0"/>
+              <a:rPr lang="en-US"/>
               <a:t>Click to edit Master text styles</a:t>
             </a:r>
           </a:p>
           <a:p>
             <a:pPr lvl="1"/>
             <a:r>
-              <a:rPr lang="en-US" smtClean="0"/>
+              <a:rPr lang="en-US"/>
               <a:t>Second level</a:t>
             </a:r>
           </a:p>
           <a:p>
             <a:pPr lvl="2"/>
             <a:r>
-              <a:rPr lang="en-US" smtClean="0"/>
+              <a:rPr lang="en-US"/>
               <a:t>Third level</a:t>
             </a:r>
           </a:p>
           <a:p>
             <a:pPr lvl="3"/>
             <a:r>
-              <a:rPr lang="en-US" smtClean="0"/>
+              <a:rPr lang="en-US"/>
               <a:t>Fourth level</a:t>
             </a:r>
           </a:p>
           <a:p>
             <a:pPr lvl="4"/>
             <a:r>
-              <a:rPr lang="en-US" smtClean="0"/>
+              <a:rPr lang="en-US"/>
               <a:t>Fifth level</a:t>
             </a:r>
-            <a:endParaRPr lang="en-US"/>
           </a:p>
         </p:txBody>
       </p:sp>
@@ -1526,7 +1515,7 @@
             </a:pPr>
             <a:fld id="{BD8BECA6-B5E9-420E-8692-A1D3664C3614}" type="datetime1">
               <a:rPr lang="en-US" smtClean="0"/>
-              <a:t>3/27/2018</a:t>
+              <a:t>4/2/2019</a:t>
             </a:fld>
             <a:endParaRPr lang="en-US"/>
           </a:p>
@@ -1555,10 +1544,9 @@
               <a:defRPr/>
             </a:pPr>
             <a:r>
-              <a:rPr lang="en-US" smtClean="0"/>
+              <a:rPr lang="en-US"/>
               <a:t>Risk Sensitive Business Cycles</a:t>
             </a:r>
-            <a:endParaRPr lang="en-US"/>
           </a:p>
         </p:txBody>
       </p:sp>
@@ -1641,10 +1629,9 @@
           <a:lstStyle/>
           <a:p>
             <a:r>
-              <a:rPr lang="en-US" smtClean="0"/>
+              <a:rPr lang="en-US"/>
               <a:t>Click to edit Master title style</a:t>
             </a:r>
-            <a:endParaRPr lang="en-US"/>
           </a:p>
         </p:txBody>
       </p:sp>
@@ -1670,38 +1657,37 @@
           <a:p>
             <a:pPr lvl="0"/>
             <a:r>
-              <a:rPr lang="en-US" smtClean="0"/>
+              <a:rPr lang="en-US"/>
               <a:t>Click to edit Master text styles</a:t>
             </a:r>
           </a:p>
           <a:p>
             <a:pPr lvl="1"/>
             <a:r>
-              <a:rPr lang="en-US" smtClean="0"/>
+              <a:rPr lang="en-US"/>
               <a:t>Second level</a:t>
             </a:r>
           </a:p>
           <a:p>
             <a:pPr lvl="2"/>
             <a:r>
-              <a:rPr lang="en-US" smtClean="0"/>
+              <a:rPr lang="en-US"/>
               <a:t>Third level</a:t>
             </a:r>
           </a:p>
           <a:p>
             <a:pPr lvl="3"/>
             <a:r>
-              <a:rPr lang="en-US" smtClean="0"/>
+              <a:rPr lang="en-US"/>
               <a:t>Fourth level</a:t>
             </a:r>
           </a:p>
           <a:p>
             <a:pPr lvl="4"/>
             <a:r>
-              <a:rPr lang="en-US" smtClean="0"/>
+              <a:rPr lang="en-US"/>
               <a:t>Fifth level</a:t>
             </a:r>
-            <a:endParaRPr lang="en-US"/>
           </a:p>
         </p:txBody>
       </p:sp>
@@ -1729,7 +1715,7 @@
             </a:pPr>
             <a:fld id="{3D9E2AE3-A402-4E48-8168-E3C2F4436B93}" type="datetime1">
               <a:rPr lang="en-US" smtClean="0"/>
-              <a:t>3/27/2018</a:t>
+              <a:t>4/2/2019</a:t>
             </a:fld>
             <a:endParaRPr lang="en-US"/>
           </a:p>
@@ -1758,10 +1744,9 @@
               <a:defRPr/>
             </a:pPr>
             <a:r>
-              <a:rPr lang="en-US" smtClean="0"/>
+              <a:rPr lang="en-US"/>
               <a:t>Risk Sensitive Business Cycles</a:t>
             </a:r>
-            <a:endParaRPr lang="en-US"/>
           </a:p>
         </p:txBody>
       </p:sp>
@@ -2039,7 +2024,7 @@
               <a:defRPr/>
             </a:pPr>
             <a:r>
-              <a:rPr lang="en-US" sz="1200" dirty="0" smtClean="0">
+              <a:rPr lang="en-US" sz="1200" dirty="0">
                 <a:solidFill>
                   <a:schemeClr val="bg1"/>
                 </a:solidFill>
@@ -2048,13 +2033,6 @@
               </a:rPr>
               <a:t>Jeremy Bejarano</a:t>
             </a:r>
-            <a:endParaRPr lang="en-US" sz="1200" dirty="0">
-              <a:solidFill>
-                <a:schemeClr val="bg1"/>
-              </a:solidFill>
-              <a:latin typeface="+mn-lt"/>
-              <a:cs typeface="+mn-cs"/>
-            </a:endParaRPr>
           </a:p>
         </p:txBody>
       </p:sp>
@@ -2097,35 +2075,35 @@
           <a:p>
             <a:pPr lvl="0"/>
             <a:r>
-              <a:rPr lang="en-US" smtClean="0"/>
+              <a:rPr lang="en-US"/>
               <a:t>Click to edit Master text styles</a:t>
             </a:r>
           </a:p>
           <a:p>
             <a:pPr lvl="1"/>
             <a:r>
-              <a:rPr lang="en-US" smtClean="0"/>
+              <a:rPr lang="en-US"/>
               <a:t>Second level</a:t>
             </a:r>
           </a:p>
           <a:p>
             <a:pPr lvl="2"/>
             <a:r>
-              <a:rPr lang="en-US" smtClean="0"/>
+              <a:rPr lang="en-US"/>
               <a:t>Third level</a:t>
             </a:r>
           </a:p>
           <a:p>
             <a:pPr lvl="3"/>
             <a:r>
-              <a:rPr lang="en-US" smtClean="0"/>
+              <a:rPr lang="en-US"/>
               <a:t>Fourth level</a:t>
             </a:r>
           </a:p>
           <a:p>
             <a:pPr lvl="4"/>
             <a:r>
-              <a:rPr lang="en-US" smtClean="0"/>
+              <a:rPr lang="en-US"/>
               <a:t>Fifth level</a:t>
             </a:r>
             <a:endParaRPr lang="en-US" dirty="0"/>
@@ -2161,7 +2139,7 @@
           </a:lstStyle>
           <a:p>
             <a:r>
-              <a:rPr lang="en-US" smtClean="0"/>
+              <a:rPr lang="en-US"/>
               <a:t>Click to edit Master title style</a:t>
             </a:r>
             <a:endParaRPr lang="en-US" dirty="0"/>
@@ -2201,7 +2179,7 @@
             </a:pPr>
             <a:fld id="{A5A56C3F-FBA6-47D4-8833-5F7AD8AD13DA}" type="datetime1">
               <a:rPr lang="en-US" smtClean="0"/>
-              <a:t>3/27/2018</a:t>
+              <a:t>4/2/2019</a:t>
             </a:fld>
             <a:endParaRPr lang="en-US"/>
           </a:p>
@@ -2237,10 +2215,9 @@
               <a:defRPr/>
             </a:pPr>
             <a:r>
-              <a:rPr lang="en-US" dirty="0" smtClean="0"/>
+              <a:rPr lang="en-US" dirty="0"/>
               <a:t>ECON 21410. Introduction</a:t>
             </a:r>
-            <a:endParaRPr lang="en-US" dirty="0"/>
           </a:p>
         </p:txBody>
       </p:sp>
@@ -2291,13 +2268,6 @@
   <p:clrMapOvr>
     <a:masterClrMapping/>
   </p:clrMapOvr>
-  <p:timing>
-    <p:tnLst>
-      <p:par>
-        <p:cTn id="1" dur="indefinite" restart="never" nodeType="tmRoot"/>
-      </p:par>
-    </p:tnLst>
-  </p:timing>
 </p:sldLayout>
 </file>
 
@@ -2343,10 +2313,9 @@
           </a:lstStyle>
           <a:p>
             <a:r>
-              <a:rPr lang="en-US" smtClean="0"/>
+              <a:rPr lang="en-US"/>
               <a:t>Click to edit Master title style</a:t>
             </a:r>
-            <a:endParaRPr lang="en-US"/>
           </a:p>
         </p:txBody>
       </p:sp>
@@ -2463,7 +2432,7 @@
           <a:p>
             <a:pPr lvl="0"/>
             <a:r>
-              <a:rPr lang="en-US" smtClean="0"/>
+              <a:rPr lang="en-US"/>
               <a:t>Click to edit Master text styles</a:t>
             </a:r>
           </a:p>
@@ -2493,7 +2462,7 @@
             </a:pPr>
             <a:fld id="{F27844B3-FFD3-4421-805C-2651B499C281}" type="datetime1">
               <a:rPr lang="en-US" smtClean="0"/>
-              <a:t>3/27/2018</a:t>
+              <a:t>4/2/2019</a:t>
             </a:fld>
             <a:endParaRPr lang="en-US"/>
           </a:p>
@@ -2522,10 +2491,9 @@
               <a:defRPr/>
             </a:pPr>
             <a:r>
-              <a:rPr lang="en-US" smtClean="0"/>
+              <a:rPr lang="en-US"/>
               <a:t>Risk Sensitive Business Cycles</a:t>
             </a:r>
-            <a:endParaRPr lang="en-US"/>
           </a:p>
         </p:txBody>
       </p:sp>
@@ -2567,13 +2535,6 @@
   <p:clrMapOvr>
     <a:masterClrMapping/>
   </p:clrMapOvr>
-  <p:timing>
-    <p:tnLst>
-      <p:par>
-        <p:cTn id="1" dur="indefinite" restart="never" nodeType="tmRoot"/>
-      </p:par>
-    </p:tnLst>
-  </p:timing>
 </p:sldLayout>
 </file>
 
@@ -2810,7 +2771,7 @@
               <a:defRPr/>
             </a:pPr>
             <a:r>
-              <a:rPr lang="en-US" sz="1200" dirty="0" smtClean="0">
+              <a:rPr lang="en-US" sz="1200" dirty="0">
                 <a:solidFill>
                   <a:schemeClr val="bg1"/>
                 </a:solidFill>
@@ -2819,13 +2780,6 @@
               </a:rPr>
               <a:t>Jeremy Bejarano</a:t>
             </a:r>
-            <a:endParaRPr lang="en-US" sz="1200" dirty="0">
-              <a:solidFill>
-                <a:schemeClr val="bg1"/>
-              </a:solidFill>
-              <a:latin typeface="+mn-lt"/>
-              <a:cs typeface="+mn-cs"/>
-            </a:endParaRPr>
           </a:p>
         </p:txBody>
       </p:sp>
@@ -2889,35 +2843,35 @@
           <a:p>
             <a:pPr lvl="0"/>
             <a:r>
-              <a:rPr lang="en-US" smtClean="0"/>
+              <a:rPr lang="en-US"/>
               <a:t>Click to edit Master text styles</a:t>
             </a:r>
           </a:p>
           <a:p>
             <a:pPr lvl="1"/>
             <a:r>
-              <a:rPr lang="en-US" smtClean="0"/>
+              <a:rPr lang="en-US"/>
               <a:t>Second level</a:t>
             </a:r>
           </a:p>
           <a:p>
             <a:pPr lvl="2"/>
             <a:r>
-              <a:rPr lang="en-US" smtClean="0"/>
+              <a:rPr lang="en-US"/>
               <a:t>Third level</a:t>
             </a:r>
           </a:p>
           <a:p>
             <a:pPr lvl="3"/>
             <a:r>
-              <a:rPr lang="en-US" smtClean="0"/>
+              <a:rPr lang="en-US"/>
               <a:t>Fourth level</a:t>
             </a:r>
           </a:p>
           <a:p>
             <a:pPr lvl="4"/>
             <a:r>
-              <a:rPr lang="en-US" smtClean="0"/>
+              <a:rPr lang="en-US"/>
               <a:t>Fifth level</a:t>
             </a:r>
             <a:endParaRPr lang="en-US" dirty="0"/>
@@ -2984,35 +2938,35 @@
           <a:p>
             <a:pPr lvl="0"/>
             <a:r>
-              <a:rPr lang="en-US" smtClean="0"/>
+              <a:rPr lang="en-US"/>
               <a:t>Click to edit Master text styles</a:t>
             </a:r>
           </a:p>
           <a:p>
             <a:pPr lvl="1"/>
             <a:r>
-              <a:rPr lang="en-US" smtClean="0"/>
+              <a:rPr lang="en-US"/>
               <a:t>Second level</a:t>
             </a:r>
           </a:p>
           <a:p>
             <a:pPr lvl="2"/>
             <a:r>
-              <a:rPr lang="en-US" smtClean="0"/>
+              <a:rPr lang="en-US"/>
               <a:t>Third level</a:t>
             </a:r>
           </a:p>
           <a:p>
             <a:pPr lvl="3"/>
             <a:r>
-              <a:rPr lang="en-US" smtClean="0"/>
+              <a:rPr lang="en-US"/>
               <a:t>Fourth level</a:t>
             </a:r>
           </a:p>
           <a:p>
             <a:pPr lvl="4"/>
             <a:r>
-              <a:rPr lang="en-US" smtClean="0"/>
+              <a:rPr lang="en-US"/>
               <a:t>Fifth level</a:t>
             </a:r>
             <a:endParaRPr lang="en-US" dirty="0"/>
@@ -3048,10 +3002,9 @@
           </a:lstStyle>
           <a:p>
             <a:r>
-              <a:rPr lang="en-US" smtClean="0"/>
+              <a:rPr lang="en-US"/>
               <a:t>Click to edit Master title style</a:t>
             </a:r>
-            <a:endParaRPr lang="en-US"/>
           </a:p>
         </p:txBody>
       </p:sp>
@@ -3088,7 +3041,7 @@
             </a:pPr>
             <a:fld id="{BE61A7E6-7444-424A-AF17-4A51576B1E8A}" type="datetime1">
               <a:rPr lang="en-US" smtClean="0"/>
-              <a:t>3/27/2018</a:t>
+              <a:t>4/2/2019</a:t>
             </a:fld>
             <a:endParaRPr lang="en-US"/>
           </a:p>
@@ -3126,10 +3079,9 @@
               <a:defRPr/>
             </a:pPr>
             <a:r>
-              <a:rPr lang="en-US" dirty="0" smtClean="0"/>
+              <a:rPr lang="en-US" dirty="0"/>
               <a:t>ECON 21410. Introduction</a:t>
             </a:r>
-            <a:endParaRPr lang="en-US" dirty="0"/>
           </a:p>
         </p:txBody>
       </p:sp>
@@ -3180,13 +3132,6 @@
   <p:clrMapOvr>
     <a:masterClrMapping/>
   </p:clrMapOvr>
-  <p:timing>
-    <p:tnLst>
-      <p:par>
-        <p:cTn id="1" dur="indefinite" restart="never" nodeType="tmRoot"/>
-      </p:par>
-    </p:tnLst>
-  </p:timing>
 </p:sldLayout>
 </file>
 
@@ -3423,7 +3368,7 @@
               <a:defRPr/>
             </a:pPr>
             <a:r>
-              <a:rPr lang="en-US" sz="1200" dirty="0" smtClean="0">
+              <a:rPr lang="en-US" sz="1200" dirty="0">
                 <a:solidFill>
                   <a:schemeClr val="bg1"/>
                 </a:solidFill>
@@ -3432,13 +3377,6 @@
               </a:rPr>
               <a:t>Jeremy Bejarano</a:t>
             </a:r>
-            <a:endParaRPr lang="en-US" sz="1200" dirty="0">
-              <a:solidFill>
-                <a:schemeClr val="bg1"/>
-              </a:solidFill>
-              <a:latin typeface="+mn-lt"/>
-              <a:cs typeface="+mn-cs"/>
-            </a:endParaRPr>
           </a:p>
         </p:txBody>
       </p:sp>
@@ -3501,7 +3439,7 @@
           <a:p>
             <a:pPr lvl="0"/>
             <a:r>
-              <a:rPr lang="en-US" smtClean="0"/>
+              <a:rPr lang="en-US"/>
               <a:t>Click to edit Master text styles</a:t>
             </a:r>
           </a:p>
@@ -3567,35 +3505,35 @@
           <a:p>
             <a:pPr lvl="0"/>
             <a:r>
-              <a:rPr lang="en-US" smtClean="0"/>
+              <a:rPr lang="en-US"/>
               <a:t>Click to edit Master text styles</a:t>
             </a:r>
           </a:p>
           <a:p>
             <a:pPr lvl="1"/>
             <a:r>
-              <a:rPr lang="en-US" smtClean="0"/>
+              <a:rPr lang="en-US"/>
               <a:t>Second level</a:t>
             </a:r>
           </a:p>
           <a:p>
             <a:pPr lvl="2"/>
             <a:r>
-              <a:rPr lang="en-US" smtClean="0"/>
+              <a:rPr lang="en-US"/>
               <a:t>Third level</a:t>
             </a:r>
           </a:p>
           <a:p>
             <a:pPr lvl="3"/>
             <a:r>
-              <a:rPr lang="en-US" smtClean="0"/>
+              <a:rPr lang="en-US"/>
               <a:t>Fourth level</a:t>
             </a:r>
           </a:p>
           <a:p>
             <a:pPr lvl="4"/>
             <a:r>
-              <a:rPr lang="en-US" smtClean="0"/>
+              <a:rPr lang="en-US"/>
               <a:t>Fifth level</a:t>
             </a:r>
             <a:endParaRPr lang="en-US" dirty="0"/>
@@ -3661,7 +3599,7 @@
           <a:p>
             <a:pPr lvl="0"/>
             <a:r>
-              <a:rPr lang="en-US" smtClean="0"/>
+              <a:rPr lang="en-US"/>
               <a:t>Click to edit Master text styles</a:t>
             </a:r>
           </a:p>
@@ -3727,35 +3665,35 @@
           <a:p>
             <a:pPr lvl="0"/>
             <a:r>
-              <a:rPr lang="en-US" smtClean="0"/>
+              <a:rPr lang="en-US"/>
               <a:t>Click to edit Master text styles</a:t>
             </a:r>
           </a:p>
           <a:p>
             <a:pPr lvl="1"/>
             <a:r>
-              <a:rPr lang="en-US" smtClean="0"/>
+              <a:rPr lang="en-US"/>
               <a:t>Second level</a:t>
             </a:r>
           </a:p>
           <a:p>
             <a:pPr lvl="2"/>
             <a:r>
-              <a:rPr lang="en-US" smtClean="0"/>
+              <a:rPr lang="en-US"/>
               <a:t>Third level</a:t>
             </a:r>
           </a:p>
           <a:p>
             <a:pPr lvl="3"/>
             <a:r>
-              <a:rPr lang="en-US" smtClean="0"/>
+              <a:rPr lang="en-US"/>
               <a:t>Fourth level</a:t>
             </a:r>
           </a:p>
           <a:p>
             <a:pPr lvl="4"/>
             <a:r>
-              <a:rPr lang="en-US" smtClean="0"/>
+              <a:rPr lang="en-US"/>
               <a:t>Fifth level</a:t>
             </a:r>
             <a:endParaRPr lang="en-US" dirty="0"/>
@@ -3791,10 +3729,9 @@
           </a:lstStyle>
           <a:p>
             <a:r>
-              <a:rPr lang="en-US" smtClean="0"/>
+              <a:rPr lang="en-US"/>
               <a:t>Click to edit Master title style</a:t>
             </a:r>
-            <a:endParaRPr lang="en-US"/>
           </a:p>
         </p:txBody>
       </p:sp>
@@ -3831,7 +3768,7 @@
             </a:pPr>
             <a:fld id="{46E11D7E-3377-4C4D-9ADA-989840967656}" type="datetime1">
               <a:rPr lang="en-US" smtClean="0"/>
-              <a:t>3/27/2018</a:t>
+              <a:t>4/2/2019</a:t>
             </a:fld>
             <a:endParaRPr lang="en-US"/>
           </a:p>
@@ -3869,10 +3806,9 @@
               <a:defRPr/>
             </a:pPr>
             <a:r>
-              <a:rPr lang="en-US" dirty="0" smtClean="0"/>
+              <a:rPr lang="en-US" dirty="0"/>
               <a:t>ECON 21410. Introduction</a:t>
             </a:r>
-            <a:endParaRPr lang="en-US" dirty="0"/>
           </a:p>
         </p:txBody>
       </p:sp>
@@ -3923,13 +3859,6 @@
   <p:clrMapOvr>
     <a:masterClrMapping/>
   </p:clrMapOvr>
-  <p:timing>
-    <p:tnLst>
-      <p:par>
-        <p:cTn id="1" dur="indefinite" restart="never" nodeType="tmRoot"/>
-      </p:par>
-    </p:tnLst>
-  </p:timing>
 </p:sldLayout>
 </file>
 
@@ -4165,10 +4094,9 @@
           </a:lstStyle>
           <a:p>
             <a:r>
-              <a:rPr lang="en-US" smtClean="0"/>
+              <a:rPr lang="en-US"/>
               <a:t>Click to edit Master title style</a:t>
             </a:r>
-            <a:endParaRPr lang="en-US"/>
           </a:p>
         </p:txBody>
       </p:sp>
@@ -4236,7 +4164,7 @@
           <a:p>
             <a:pPr lvl="0"/>
             <a:r>
-              <a:rPr lang="en-US" smtClean="0"/>
+              <a:rPr lang="en-US"/>
               <a:t>Click to edit Master text styles</a:t>
             </a:r>
           </a:p>
@@ -4275,7 +4203,7 @@
             </a:pPr>
             <a:fld id="{AAA1E64C-278C-4AE6-AAB8-5B5F3CB65CD5}" type="datetime1">
               <a:rPr lang="en-US" smtClean="0"/>
-              <a:t>3/27/2018</a:t>
+              <a:t>4/2/2019</a:t>
             </a:fld>
             <a:endParaRPr lang="en-US"/>
           </a:p>
@@ -4313,10 +4241,9 @@
               <a:defRPr/>
             </a:pPr>
             <a:r>
-              <a:rPr lang="en-US" dirty="0" smtClean="0"/>
+              <a:rPr lang="en-US" dirty="0"/>
               <a:t>ECON 21410. Introduction</a:t>
             </a:r>
-            <a:endParaRPr lang="en-US" dirty="0"/>
           </a:p>
         </p:txBody>
       </p:sp>
@@ -4367,13 +4294,6 @@
   <p:clrMapOvr>
     <a:masterClrMapping/>
   </p:clrMapOvr>
-  <p:timing>
-    <p:tnLst>
-      <p:par>
-        <p:cTn id="1" dur="indefinite" restart="never" nodeType="tmRoot"/>
-      </p:par>
-    </p:tnLst>
-  </p:timing>
 </p:sldLayout>
 </file>
 
@@ -4574,7 +4494,7 @@
           <a:p>
             <a:pPr lvl="0"/>
             <a:r>
-              <a:rPr lang="en-US" dirty="0" smtClean="0"/>
+              <a:rPr lang="en-US" dirty="0"/>
               <a:t>Jeremy Bejarano</a:t>
             </a:r>
           </a:p>
@@ -4613,7 +4533,7 @@
             </a:pPr>
             <a:fld id="{700950E8-F506-44B1-948A-DFDA67C82E8E}" type="datetime1">
               <a:rPr lang="en-US" smtClean="0"/>
-              <a:t>3/27/2018</a:t>
+              <a:t>4/2/2019</a:t>
             </a:fld>
             <a:endParaRPr lang="en-US"/>
           </a:p>
@@ -4651,10 +4571,9 @@
               <a:defRPr/>
             </a:pPr>
             <a:r>
-              <a:rPr lang="en-US" dirty="0" smtClean="0"/>
+              <a:rPr lang="en-US" dirty="0"/>
               <a:t>ECON 21410. Introduction</a:t>
             </a:r>
-            <a:endParaRPr lang="en-US" dirty="0"/>
           </a:p>
         </p:txBody>
       </p:sp>
@@ -4705,13 +4624,6 @@
   <p:clrMapOvr>
     <a:masterClrMapping/>
   </p:clrMapOvr>
-  <p:timing>
-    <p:tnLst>
-      <p:par>
-        <p:cTn id="1" dur="indefinite" restart="never" nodeType="tmRoot"/>
-      </p:par>
-    </p:tnLst>
-  </p:timing>
 </p:sldLayout>
 </file>
 
@@ -4757,10 +4669,9 @@
           </a:lstStyle>
           <a:p>
             <a:r>
-              <a:rPr lang="en-US" smtClean="0"/>
+              <a:rPr lang="en-US"/>
               <a:t>Click to edit Master title style</a:t>
             </a:r>
-            <a:endParaRPr lang="en-US"/>
           </a:p>
         </p:txBody>
       </p:sp>
@@ -4814,38 +4725,37 @@
           <a:p>
             <a:pPr lvl="0"/>
             <a:r>
-              <a:rPr lang="en-US" smtClean="0"/>
+              <a:rPr lang="en-US"/>
               <a:t>Click to edit Master text styles</a:t>
             </a:r>
           </a:p>
           <a:p>
             <a:pPr lvl="1"/>
             <a:r>
-              <a:rPr lang="en-US" smtClean="0"/>
+              <a:rPr lang="en-US"/>
               <a:t>Second level</a:t>
             </a:r>
           </a:p>
           <a:p>
             <a:pPr lvl="2"/>
             <a:r>
-              <a:rPr lang="en-US" smtClean="0"/>
+              <a:rPr lang="en-US"/>
               <a:t>Third level</a:t>
             </a:r>
           </a:p>
           <a:p>
             <a:pPr lvl="3"/>
             <a:r>
-              <a:rPr lang="en-US" smtClean="0"/>
+              <a:rPr lang="en-US"/>
               <a:t>Fourth level</a:t>
             </a:r>
           </a:p>
           <a:p>
             <a:pPr lvl="4"/>
             <a:r>
-              <a:rPr lang="en-US" smtClean="0"/>
+              <a:rPr lang="en-US"/>
               <a:t>Fifth level</a:t>
             </a:r>
-            <a:endParaRPr lang="en-US"/>
           </a:p>
         </p:txBody>
       </p:sp>
@@ -4908,7 +4818,7 @@
           <a:p>
             <a:pPr lvl="0"/>
             <a:r>
-              <a:rPr lang="en-US" smtClean="0"/>
+              <a:rPr lang="en-US"/>
               <a:t>Click to edit Master text styles</a:t>
             </a:r>
           </a:p>
@@ -4938,7 +4848,7 @@
             </a:pPr>
             <a:fld id="{99C748E3-7CDC-4685-872C-7EC6E58068A4}" type="datetime1">
               <a:rPr lang="en-US" smtClean="0"/>
-              <a:t>3/27/2018</a:t>
+              <a:t>4/2/2019</a:t>
             </a:fld>
             <a:endParaRPr lang="en-US"/>
           </a:p>
@@ -4967,10 +4877,9 @@
               <a:defRPr/>
             </a:pPr>
             <a:r>
-              <a:rPr lang="en-US" smtClean="0"/>
+              <a:rPr lang="en-US"/>
               <a:t>Risk Sensitive Business Cycles</a:t>
             </a:r>
-            <a:endParaRPr lang="en-US"/>
           </a:p>
         </p:txBody>
       </p:sp>
@@ -5012,13 +4921,6 @@
   <p:clrMapOvr>
     <a:masterClrMapping/>
   </p:clrMapOvr>
-  <p:timing>
-    <p:tnLst>
-      <p:par>
-        <p:cTn id="1" dur="indefinite" restart="never" nodeType="tmRoot"/>
-      </p:par>
-    </p:tnLst>
-  </p:timing>
 </p:sldLayout>
 </file>
 
@@ -5064,10 +4966,9 @@
           </a:lstStyle>
           <a:p>
             <a:r>
-              <a:rPr lang="en-US" smtClean="0"/>
+              <a:rPr lang="en-US"/>
               <a:t>Click to edit Master title style</a:t>
             </a:r>
-            <a:endParaRPr lang="en-US"/>
           </a:p>
         </p:txBody>
       </p:sp>
@@ -5132,10 +5033,9 @@
           <a:p>
             <a:pPr lvl="0"/>
             <a:r>
-              <a:rPr lang="en-US" noProof="0" smtClean="0"/>
+              <a:rPr lang="en-US" noProof="0"/>
               <a:t>Click icon to add picture</a:t>
             </a:r>
-            <a:endParaRPr lang="en-US" noProof="0"/>
           </a:p>
         </p:txBody>
       </p:sp>
@@ -5198,7 +5098,7 @@
           <a:p>
             <a:pPr lvl="0"/>
             <a:r>
-              <a:rPr lang="en-US" smtClean="0"/>
+              <a:rPr lang="en-US"/>
               <a:t>Click to edit Master text styles</a:t>
             </a:r>
           </a:p>
@@ -5228,7 +5128,7 @@
             </a:pPr>
             <a:fld id="{E478C6F5-2949-4CBD-99A4-583C09B46015}" type="datetime1">
               <a:rPr lang="en-US" smtClean="0"/>
-              <a:t>3/27/2018</a:t>
+              <a:t>4/2/2019</a:t>
             </a:fld>
             <a:endParaRPr lang="en-US"/>
           </a:p>
@@ -5257,10 +5157,9 @@
               <a:defRPr/>
             </a:pPr>
             <a:r>
-              <a:rPr lang="en-US" smtClean="0"/>
+              <a:rPr lang="en-US"/>
               <a:t>Risk Sensitive Business Cycles</a:t>
             </a:r>
-            <a:endParaRPr lang="en-US"/>
           </a:p>
         </p:txBody>
       </p:sp>
@@ -5363,7 +5262,7 @@
           <a:p>
             <a:pPr lvl="0"/>
             <a:r>
-              <a:rPr lang="en-US" smtClean="0"/>
+              <a:rPr lang="en-US"/>
               <a:t>Click to edit Master title style</a:t>
             </a:r>
           </a:p>
@@ -5405,35 +5304,35 @@
           <a:p>
             <a:pPr lvl="0"/>
             <a:r>
-              <a:rPr lang="en-US" smtClean="0"/>
+              <a:rPr lang="en-US"/>
               <a:t>Click to edit Master text styles</a:t>
             </a:r>
           </a:p>
           <a:p>
             <a:pPr lvl="1"/>
             <a:r>
-              <a:rPr lang="en-US" smtClean="0"/>
+              <a:rPr lang="en-US"/>
               <a:t>Second level</a:t>
             </a:r>
           </a:p>
           <a:p>
             <a:pPr lvl="2"/>
             <a:r>
-              <a:rPr lang="en-US" smtClean="0"/>
+              <a:rPr lang="en-US"/>
               <a:t>Third level</a:t>
             </a:r>
           </a:p>
           <a:p>
             <a:pPr lvl="3"/>
             <a:r>
-              <a:rPr lang="en-US" smtClean="0"/>
+              <a:rPr lang="en-US"/>
               <a:t>Fourth level</a:t>
             </a:r>
           </a:p>
           <a:p>
             <a:pPr lvl="4"/>
             <a:r>
-              <a:rPr lang="en-US" smtClean="0"/>
+              <a:rPr lang="en-US"/>
               <a:t>Fifth level</a:t>
             </a:r>
           </a:p>
@@ -5485,7 +5384,7 @@
             </a:pPr>
             <a:fld id="{B9E87735-7319-4954-A3BF-E60228B25419}" type="datetime1">
               <a:rPr lang="en-US" smtClean="0"/>
-              <a:t>3/27/2018</a:t>
+              <a:t>4/2/2019</a:t>
             </a:fld>
             <a:endParaRPr lang="en-US"/>
           </a:p>
@@ -5536,10 +5435,9 @@
               <a:defRPr/>
             </a:pPr>
             <a:r>
-              <a:rPr lang="en-US" dirty="0" smtClean="0"/>
+              <a:rPr lang="en-US" dirty="0"/>
               <a:t>Risk Sensitive Business Cycles</a:t>
             </a:r>
-            <a:endParaRPr lang="en-US" dirty="0"/>
           </a:p>
         </p:txBody>
       </p:sp>
@@ -5614,13 +5512,6 @@
     <p:sldLayoutId id="2147483669" r:id="rId10"/>
     <p:sldLayoutId id="2147483670" r:id="rId11"/>
   </p:sldLayoutIdLst>
-  <p:timing>
-    <p:tnLst>
-      <p:par>
-        <p:cTn id="1" dur="indefinite" restart="never" nodeType="tmRoot"/>
-      </p:par>
-    </p:tnLst>
-  </p:timing>
   <p:hf sldNum="0" hdr="0" dt="0"/>
   <p:txStyles>
     <p:titleStyle>
@@ -6043,13 +5934,8 @@
           <a:p>
             <a:r>
               <a:rPr lang="en-US" sz="3600" dirty="0"/>
-              <a:t>Computational Methods in </a:t>
-            </a:r>
-            <a:r>
-              <a:rPr lang="en-US" sz="3600" dirty="0" smtClean="0"/>
-              <a:t>Economics</a:t>
-            </a:r>
-            <a:endParaRPr lang="en-US" sz="3600" dirty="0" smtClean="0"/>
+              <a:t>Computational Methods in Economics</a:t>
+            </a:r>
           </a:p>
         </p:txBody>
       </p:sp>
@@ -6083,11 +5969,7 @@
             </a:pPr>
             <a:r>
               <a:rPr lang="en-US" dirty="0"/>
-              <a:t>ECON </a:t>
-            </a:r>
-            <a:r>
-              <a:rPr lang="en-US" dirty="0" smtClean="0"/>
-              <a:t>21410</a:t>
+              <a:t>ECON 21410</a:t>
             </a:r>
           </a:p>
           <a:p>
@@ -6098,14 +5980,9 @@
               <a:defRPr/>
             </a:pPr>
             <a:r>
-              <a:rPr lang="en-US" dirty="0" smtClean="0"/>
-              <a:t>Instructor: Jeremy </a:t>
-            </a:r>
-            <a:r>
-              <a:rPr lang="en-US" dirty="0" smtClean="0"/>
-              <a:t>Bejarano</a:t>
-            </a:r>
-            <a:endParaRPr lang="en-US" dirty="0"/>
+              <a:rPr lang="en-US" dirty="0"/>
+              <a:t>Instructor: Jeremy Bejarano</a:t>
+            </a:r>
           </a:p>
         </p:txBody>
       </p:sp>
@@ -6114,13 +5991,6 @@
   <p:clrMapOvr>
     <a:masterClrMapping/>
   </p:clrMapOvr>
-  <p:timing>
-    <p:tnLst>
-      <p:par>
-        <p:cTn id="1" dur="indefinite" restart="never" nodeType="tmRoot"/>
-      </p:par>
-    </p:tnLst>
-  </p:timing>
 </p:sld>
 </file>
 
@@ -6182,10 +6052,9 @@
           <a:lstStyle/>
           <a:p>
             <a:r>
-              <a:rPr lang="en-US" dirty="0" smtClean="0"/>
+              <a:rPr lang="en-US" dirty="0"/>
               <a:t>Motivation</a:t>
             </a:r>
-            <a:endParaRPr lang="en-US" dirty="0"/>
           </a:p>
         </p:txBody>
       </p:sp>
@@ -6208,7 +6077,7 @@
               <a:defRPr/>
             </a:pPr>
             <a:r>
-              <a:rPr lang="en-US" smtClean="0"/>
+              <a:rPr lang="en-US"/>
               <a:t>ECON 21410. Introduction</a:t>
             </a:r>
             <a:endParaRPr lang="en-US" dirty="0"/>
@@ -6225,13 +6094,6 @@
   <p:clrMapOvr>
     <a:masterClrMapping/>
   </p:clrMapOvr>
-  <p:timing>
-    <p:tnLst>
-      <p:par>
-        <p:cTn id="1" dur="indefinite" restart="never" nodeType="tmRoot"/>
-      </p:par>
-    </p:tnLst>
-  </p:timing>
 </p:sld>
 </file>
 
@@ -6268,30 +6130,35 @@
           <a:lstStyle/>
           <a:p>
             <a:r>
-              <a:rPr lang="en-US" dirty="0" smtClean="0"/>
+              <a:rPr lang="en-US" dirty="0"/>
               <a:t>Pandas for Data Analysis</a:t>
             </a:r>
           </a:p>
           <a:p>
             <a:r>
-              <a:rPr lang="en-US" dirty="0" smtClean="0"/>
+              <a:rPr lang="en-US" dirty="0"/>
               <a:t>Visualizations</a:t>
             </a:r>
           </a:p>
           <a:p>
             <a:pPr lvl="1"/>
             <a:r>
-              <a:rPr lang="en-US" dirty="0"/>
+              <a:rPr lang="en-US" dirty="0">
+                <a:hlinkClick r:id="rId2"/>
+              </a:rPr>
               <a:t>https://seaborn.pydata.org/examples/index.html</a:t>
             </a:r>
-            <a:endParaRPr lang="en-US" dirty="0" smtClean="0"/>
+            <a:endParaRPr lang="en-US" dirty="0"/>
           </a:p>
           <a:p>
             <a:pPr lvl="1"/>
             <a:r>
-              <a:rPr lang="en-US" dirty="0"/>
+              <a:rPr lang="en-US" dirty="0">
+                <a:hlinkClick r:id="rId3"/>
+              </a:rPr>
               <a:t>http://nbviewer.jupyter.org/github/plotly/python-user-guide/blob/master/s3_bubble-charts/s3_bubble-charts.ipynb</a:t>
             </a:r>
+            <a:endParaRPr lang="en-US" dirty="0"/>
           </a:p>
         </p:txBody>
       </p:sp>
@@ -6336,7 +6203,7 @@
               <a:defRPr/>
             </a:pPr>
             <a:r>
-              <a:rPr lang="en-US" smtClean="0"/>
+              <a:rPr lang="en-US"/>
               <a:t>ECON 21410. Introduction</a:t>
             </a:r>
             <a:endParaRPr lang="en-US" dirty="0"/>
@@ -6353,13 +6220,6 @@
   <p:clrMapOvr>
     <a:masterClrMapping/>
   </p:clrMapOvr>
-  <p:timing>
-    <p:tnLst>
-      <p:par>
-        <p:cTn id="1" dur="indefinite" restart="never" nodeType="tmRoot"/>
-      </p:par>
-    </p:tnLst>
-  </p:timing>
 </p:sld>
 </file>
 
@@ -6396,7 +6256,7 @@
           <a:lstStyle/>
           <a:p>
             <a:r>
-              <a:rPr lang="en-US" dirty="0" smtClean="0"/>
+              <a:rPr lang="en-US" dirty="0"/>
               <a:t>Interactive visualization are easy to make and are great for personal portfolios.</a:t>
             </a:r>
           </a:p>
@@ -6443,7 +6303,7 @@
               <a:defRPr/>
             </a:pPr>
             <a:r>
-              <a:rPr lang="en-US" smtClean="0"/>
+              <a:rPr lang="en-US"/>
               <a:t>ECON 21410. Introduction</a:t>
             </a:r>
             <a:endParaRPr lang="en-US" dirty="0"/>
@@ -6460,13 +6320,6 @@
   <p:clrMapOvr>
     <a:masterClrMapping/>
   </p:clrMapOvr>
-  <p:timing>
-    <p:tnLst>
-      <p:par>
-        <p:cTn id="1" dur="indefinite" restart="never" nodeType="tmRoot"/>
-      </p:par>
-    </p:tnLst>
-  </p:timing>
 </p:sld>
 </file>
 
@@ -6503,55 +6356,55 @@
           <a:lstStyle/>
           <a:p>
             <a:r>
-              <a:rPr lang="en-US" dirty="0" smtClean="0"/>
+              <a:rPr lang="en-US" dirty="0"/>
               <a:t>Applications to topics in economics and finance</a:t>
             </a:r>
           </a:p>
           <a:p>
             <a:pPr lvl="1"/>
             <a:r>
-              <a:rPr lang="en-US" dirty="0" smtClean="0"/>
+              <a:rPr lang="en-US" dirty="0"/>
               <a:t>Schelling’s Segregation Model</a:t>
             </a:r>
           </a:p>
           <a:p>
             <a:pPr lvl="1"/>
             <a:r>
-              <a:rPr lang="en-US" dirty="0" smtClean="0"/>
+              <a:rPr lang="en-US" dirty="0"/>
               <a:t>Portfolio Optimization</a:t>
             </a:r>
           </a:p>
           <a:p>
             <a:pPr lvl="1"/>
             <a:r>
-              <a:rPr lang="en-US" dirty="0" smtClean="0"/>
+              <a:rPr lang="en-US" dirty="0"/>
               <a:t>Estimation of Productivity</a:t>
             </a:r>
           </a:p>
           <a:p>
             <a:pPr lvl="1"/>
             <a:r>
-              <a:rPr lang="en-US" dirty="0" smtClean="0"/>
+              <a:rPr lang="en-US" dirty="0"/>
               <a:t>Business Cycle Accounting</a:t>
             </a:r>
           </a:p>
           <a:p>
             <a:pPr lvl="1"/>
             <a:r>
-              <a:rPr lang="en-US" dirty="0" smtClean="0"/>
+              <a:rPr lang="en-US" dirty="0"/>
               <a:t>Models of Entry and Exit</a:t>
             </a:r>
           </a:p>
           <a:p>
             <a:pPr lvl="1"/>
             <a:r>
-              <a:rPr lang="en-US" dirty="0" smtClean="0"/>
+              <a:rPr lang="en-US" dirty="0"/>
               <a:t>Asset Pricing</a:t>
             </a:r>
           </a:p>
           <a:p>
             <a:pPr lvl="1"/>
-            <a:endParaRPr lang="en-US" dirty="0" smtClean="0"/>
+            <a:endParaRPr lang="en-US" dirty="0"/>
           </a:p>
         </p:txBody>
       </p:sp>
@@ -6596,7 +6449,7 @@
               <a:defRPr/>
             </a:pPr>
             <a:r>
-              <a:rPr lang="en-US" smtClean="0"/>
+              <a:rPr lang="en-US"/>
               <a:t>ECON 21410. Introduction</a:t>
             </a:r>
             <a:endParaRPr lang="en-US" dirty="0"/>
@@ -6613,13 +6466,6 @@
   <p:clrMapOvr>
     <a:masterClrMapping/>
   </p:clrMapOvr>
-  <p:timing>
-    <p:tnLst>
-      <p:par>
-        <p:cTn id="1" dur="indefinite" restart="never" nodeType="tmRoot"/>
-      </p:par>
-    </p:tnLst>
-  </p:timing>
 </p:sld>
 </file>
 
@@ -6656,47 +6502,43 @@
           <a:lstStyle/>
           <a:p>
             <a:r>
-              <a:rPr lang="en-US" dirty="0" smtClean="0"/>
+              <a:rPr lang="en-US" dirty="0"/>
               <a:t>Who has had experience with computer programming before?</a:t>
             </a:r>
           </a:p>
           <a:p>
             <a:r>
-              <a:rPr lang="en-US" dirty="0" smtClean="0"/>
+              <a:rPr lang="en-US" dirty="0"/>
               <a:t>Python? R? Stata? Anything else?</a:t>
             </a:r>
           </a:p>
           <a:p>
             <a:r>
-              <a:rPr lang="en-US" dirty="0" err="1" smtClean="0"/>
+              <a:rPr lang="en-US" dirty="0" err="1"/>
               <a:t>Git</a:t>
             </a:r>
             <a:r>
               <a:rPr lang="en-US" dirty="0"/>
-              <a:t> </a:t>
-            </a:r>
-            <a:r>
-              <a:rPr lang="en-US" dirty="0" smtClean="0"/>
-              <a:t>or </a:t>
-            </a:r>
-            <a:r>
-              <a:rPr lang="en-US" dirty="0" err="1" smtClean="0"/>
+              <a:t> or </a:t>
+            </a:r>
+            <a:r>
+              <a:rPr lang="en-US" dirty="0" err="1"/>
               <a:t>LaTeX</a:t>
             </a:r>
             <a:r>
-              <a:rPr lang="en-US" dirty="0" smtClean="0"/>
+              <a:rPr lang="en-US" dirty="0"/>
               <a:t>?</a:t>
             </a:r>
           </a:p>
           <a:p>
             <a:r>
-              <a:rPr lang="en-US" dirty="0" smtClean="0"/>
+              <a:rPr lang="en-US" dirty="0"/>
               <a:t>Who is interesting in pursuing a career related to economics? Data science? Software development?</a:t>
             </a:r>
           </a:p>
           <a:p>
             <a:r>
-              <a:rPr lang="en-US" dirty="0" smtClean="0"/>
+              <a:rPr lang="en-US" dirty="0"/>
               <a:t>Who is interested in graduate school? In economics or other fields?</a:t>
             </a:r>
           </a:p>
@@ -6718,10 +6560,9 @@
           <a:lstStyle/>
           <a:p>
             <a:r>
-              <a:rPr lang="en-US" dirty="0" smtClean="0"/>
+              <a:rPr lang="en-US" dirty="0"/>
               <a:t>About You</a:t>
             </a:r>
-            <a:endParaRPr lang="en-US" dirty="0"/>
           </a:p>
         </p:txBody>
       </p:sp>
@@ -6744,7 +6585,7 @@
               <a:defRPr/>
             </a:pPr>
             <a:r>
-              <a:rPr lang="en-US" smtClean="0"/>
+              <a:rPr lang="en-US"/>
               <a:t>ECON 21410. Introduction</a:t>
             </a:r>
             <a:endParaRPr lang="en-US" dirty="0"/>
@@ -6761,13 +6602,6 @@
   <p:clrMapOvr>
     <a:masterClrMapping/>
   </p:clrMapOvr>
-  <p:timing>
-    <p:tnLst>
-      <p:par>
-        <p:cTn id="1" dur="indefinite" restart="never" nodeType="tmRoot"/>
-      </p:par>
-    </p:tnLst>
-  </p:timing>
 </p:sld>
 </file>
 
@@ -6804,29 +6638,21 @@
           <a:lstStyle/>
           <a:p>
             <a:r>
-              <a:rPr lang="en-US" dirty="0" smtClean="0"/>
+              <a:rPr lang="en-US" dirty="0"/>
               <a:t>We will take a preliminary exam to get an idea of your experience with Python.</a:t>
             </a:r>
           </a:p>
           <a:p>
             <a:r>
-              <a:rPr lang="en-US" dirty="0" smtClean="0"/>
+              <a:rPr lang="en-US" dirty="0"/>
               <a:t>We will be holding a Python crash course on Saturday.</a:t>
             </a:r>
           </a:p>
           <a:p>
-            <a:pPr lvl="1"/>
-            <a:r>
-              <a:rPr lang="en-US" dirty="0" smtClean="0"/>
-              <a:t>If you get 100%, you can skip this crash course and the associated portion of assignment 0.</a:t>
-            </a:r>
-          </a:p>
-          <a:p>
-            <a:r>
-              <a:rPr lang="en-US" dirty="0" smtClean="0"/>
+            <a:r>
+              <a:rPr lang="en-US" dirty="0"/>
               <a:t>Take Preliminary Exam.</a:t>
             </a:r>
-            <a:endParaRPr lang="en-US" dirty="0"/>
           </a:p>
         </p:txBody>
       </p:sp>
@@ -6846,10 +6672,9 @@
           <a:lstStyle/>
           <a:p>
             <a:r>
-              <a:rPr lang="en-US" dirty="0" smtClean="0"/>
+              <a:rPr lang="en-US" dirty="0"/>
               <a:t>Preliminary Exam</a:t>
             </a:r>
-            <a:endParaRPr lang="en-US" dirty="0"/>
           </a:p>
         </p:txBody>
       </p:sp>
@@ -6872,7 +6697,7 @@
               <a:defRPr/>
             </a:pPr>
             <a:r>
-              <a:rPr lang="en-US" smtClean="0"/>
+              <a:rPr lang="en-US"/>
               <a:t>ECON 21410. Introduction</a:t>
             </a:r>
             <a:endParaRPr lang="en-US" dirty="0"/>
@@ -6889,13 +6714,6 @@
   <p:clrMapOvr>
     <a:masterClrMapping/>
   </p:clrMapOvr>
-  <p:timing>
-    <p:tnLst>
-      <p:par>
-        <p:cTn id="1" dur="indefinite" restart="never" nodeType="tmRoot"/>
-      </p:par>
-    </p:tnLst>
-  </p:timing>
 </p:sld>
 </file>
 
@@ -6932,18 +6750,18 @@
           <a:lstStyle/>
           <a:p>
             <a:r>
-              <a:rPr lang="en-US" dirty="0" smtClean="0"/>
+              <a:rPr lang="en-US" dirty="0"/>
               <a:t>Introduce Google’s </a:t>
             </a:r>
             <a:r>
-              <a:rPr lang="en-US" dirty="0" err="1" smtClean="0"/>
+              <a:rPr lang="en-US" dirty="0" err="1"/>
               <a:t>Colaboratory</a:t>
             </a:r>
-            <a:endParaRPr lang="en-US" dirty="0" smtClean="0"/>
-          </a:p>
-          <a:p>
-            <a:r>
-              <a:rPr lang="en-US" dirty="0" smtClean="0"/>
+            <a:endParaRPr lang="en-US" dirty="0"/>
+          </a:p>
+          <a:p>
+            <a:r>
+              <a:rPr lang="en-US" dirty="0"/>
               <a:t>If time permits:</a:t>
             </a:r>
           </a:p>
@@ -6987,10 +6805,9 @@
           <a:lstStyle/>
           <a:p>
             <a:r>
-              <a:rPr lang="en-US" dirty="0" smtClean="0"/>
+              <a:rPr lang="en-US" dirty="0"/>
               <a:t>An Introductory Example</a:t>
             </a:r>
-            <a:endParaRPr lang="en-US" dirty="0"/>
           </a:p>
         </p:txBody>
       </p:sp>
@@ -7013,7 +6830,7 @@
               <a:defRPr/>
             </a:pPr>
             <a:r>
-              <a:rPr lang="en-US" smtClean="0"/>
+              <a:rPr lang="en-US"/>
               <a:t>ECON 21410. Introduction</a:t>
             </a:r>
             <a:endParaRPr lang="en-US" dirty="0"/>
@@ -7030,13 +6847,6 @@
   <p:clrMapOvr>
     <a:masterClrMapping/>
   </p:clrMapOvr>
-  <p:timing>
-    <p:tnLst>
-      <p:par>
-        <p:cTn id="1" dur="indefinite" restart="never" nodeType="tmRoot"/>
-      </p:par>
-    </p:tnLst>
-  </p:timing>
 </p:sld>
 </file>
 
@@ -7073,57 +6883,57 @@
           <a:lstStyle/>
           <a:p>
             <a:r>
-              <a:rPr lang="en-US" dirty="0" smtClean="0"/>
+              <a:rPr lang="en-US" dirty="0"/>
               <a:t>My name is Jeremy </a:t>
             </a:r>
             <a:r>
-              <a:rPr lang="en-US" dirty="0" err="1" smtClean="0"/>
+              <a:rPr lang="en-US" dirty="0" err="1"/>
               <a:t>Bejarano</a:t>
             </a:r>
-            <a:endParaRPr lang="en-US" dirty="0" smtClean="0"/>
+            <a:endParaRPr lang="en-US" dirty="0"/>
           </a:p>
           <a:p>
             <a:pPr lvl="1"/>
             <a:r>
-              <a:rPr lang="en-US" dirty="0" smtClean="0"/>
-              <a:t>5</a:t>
-            </a:r>
-            <a:r>
-              <a:rPr lang="en-US" baseline="30000" dirty="0" smtClean="0"/>
+              <a:rPr lang="en-US" dirty="0"/>
+              <a:t>6</a:t>
+            </a:r>
+            <a:r>
+              <a:rPr lang="en-US" baseline="30000" dirty="0"/>
               <a:t>th</a:t>
             </a:r>
             <a:r>
-              <a:rPr lang="en-US" dirty="0" smtClean="0"/>
+              <a:rPr lang="en-US" dirty="0"/>
               <a:t> year PhD student in economics</a:t>
             </a:r>
           </a:p>
           <a:p>
             <a:pPr lvl="1"/>
             <a:r>
-              <a:rPr lang="en-US" dirty="0" smtClean="0"/>
+              <a:rPr lang="en-US" dirty="0"/>
               <a:t>Macroeconomics, Finance, Asset Pricing</a:t>
             </a:r>
           </a:p>
           <a:p>
             <a:pPr lvl="1"/>
             <a:r>
-              <a:rPr lang="en-US" dirty="0" smtClean="0"/>
+              <a:rPr lang="en-US" dirty="0"/>
               <a:t>Enjoy mathematics, scientific computing, data, Python (</a:t>
             </a:r>
             <a:r>
-              <a:rPr lang="en-US" dirty="0" err="1" smtClean="0"/>
+              <a:rPr lang="en-US" dirty="0" err="1"/>
               <a:t>PyData</a:t>
             </a:r>
             <a:r>
-              <a:rPr lang="en-US" dirty="0" smtClean="0"/>
+              <a:rPr lang="en-US" dirty="0"/>
               <a:t> and </a:t>
             </a:r>
             <a:r>
-              <a:rPr lang="en-US" dirty="0" err="1" smtClean="0"/>
+              <a:rPr lang="en-US" dirty="0" err="1"/>
               <a:t>Jupyter</a:t>
             </a:r>
             <a:r>
-              <a:rPr lang="en-US" dirty="0" smtClean="0"/>
+              <a:rPr lang="en-US" dirty="0"/>
               <a:t>), HPC</a:t>
             </a:r>
           </a:p>
@@ -7145,36 +6955,35 @@
           <a:lstStyle/>
           <a:p>
             <a:r>
-              <a:rPr lang="en-US" dirty="0" smtClean="0"/>
+              <a:rPr lang="en-US" dirty="0"/>
               <a:t>Introductions</a:t>
             </a:r>
+          </a:p>
+        </p:txBody>
+      </p:sp>
+      <p:sp>
+        <p:nvSpPr>
+          <p:cNvPr id="4" name="Footer Placeholder 3"/>
+          <p:cNvSpPr>
+            <a:spLocks noGrp="1"/>
+          </p:cNvSpPr>
+          <p:nvPr>
+            <p:ph type="ftr" sz="quarter" idx="11"/>
+          </p:nvPr>
+        </p:nvSpPr>
+        <p:spPr/>
+        <p:txBody>
+          <a:bodyPr/>
+          <a:lstStyle/>
+          <a:p>
+            <a:pPr>
+              <a:defRPr/>
+            </a:pPr>
+            <a:r>
+              <a:rPr lang="en-US"/>
+              <a:t>ECON 21410. Introduction</a:t>
+            </a:r>
             <a:endParaRPr lang="en-US" dirty="0"/>
-          </a:p>
-        </p:txBody>
-      </p:sp>
-      <p:sp>
-        <p:nvSpPr>
-          <p:cNvPr id="4" name="Footer Placeholder 3"/>
-          <p:cNvSpPr>
-            <a:spLocks noGrp="1"/>
-          </p:cNvSpPr>
-          <p:nvPr>
-            <p:ph type="ftr" sz="quarter" idx="11"/>
-          </p:nvPr>
-        </p:nvSpPr>
-        <p:spPr/>
-        <p:txBody>
-          <a:bodyPr/>
-          <a:lstStyle/>
-          <a:p>
-            <a:pPr>
-              <a:defRPr/>
-            </a:pPr>
-            <a:r>
-              <a:rPr lang="en-US" smtClean="0"/>
-              <a:t>ECON 21410. Introduction</a:t>
-            </a:r>
-            <a:endParaRPr lang="en-US" dirty="0" smtClean="0"/>
           </a:p>
         </p:txBody>
       </p:sp>
@@ -7188,13 +6997,6 @@
   <p:clrMapOvr>
     <a:masterClrMapping/>
   </p:clrMapOvr>
-  <p:timing>
-    <p:tnLst>
-      <p:par>
-        <p:cTn id="1" dur="indefinite" restart="never" nodeType="tmRoot"/>
-      </p:par>
-    </p:tnLst>
-  </p:timing>
 </p:sld>
 </file>
 
@@ -7232,23 +7034,11 @@
           <a:p>
             <a:r>
               <a:rPr lang="en-US" sz="2400" b="1" dirty="0"/>
-              <a:t>Course </a:t>
-            </a:r>
-            <a:r>
-              <a:rPr lang="en-US" sz="2400" b="1" dirty="0" smtClean="0"/>
-              <a:t>Description: </a:t>
-            </a:r>
-            <a:r>
-              <a:rPr lang="en-US" sz="2400" dirty="0" smtClean="0"/>
-              <a:t>This </a:t>
+              <a:t>Course Description: </a:t>
             </a:r>
             <a:r>
               <a:rPr lang="en-US" sz="2400" dirty="0"/>
-              <a:t>course introduces the basic programming and computational techniques necessary for solving and estimating economic models. The course covers topics in numerical methods, such as optimization, function approximation, and Monte Carlo techniques, as well as topics in data exploration, visualization, and estimation. Emphasis will be placed on developing effective programming and research practices. The course is structured through a series of applications in such topics as macroeconomic growth, real business cycles, and asset pricing. The course will be taught primarily in Python. Though helpful, no previous experience with computer programming is necessary for this class. </a:t>
-            </a:r>
-            <a:r>
-              <a:rPr lang="en-US" sz="2400" dirty="0"/>
-              <a:t/>
+              <a:t>This course introduces the basic programming and computational techniques necessary for solving and estimating economic models. The course covers topics in numerical methods, such as optimization, function approximation, and Monte Carlo techniques, as well as topics in data exploration, visualization, and estimation. Emphasis will be placed on developing effective programming and research practices. The course is structured through a series of applications in such topics as macroeconomic growth, real business cycles, and asset pricing. The course will be taught primarily in Python. Though helpful, no previous experience with computer programming is necessary for this class. </a:t>
             </a:r>
             <a:br>
               <a:rPr lang="en-US" sz="2400" dirty="0"/>
@@ -7298,7 +7088,7 @@
               <a:defRPr/>
             </a:pPr>
             <a:r>
-              <a:rPr lang="en-US" smtClean="0"/>
+              <a:rPr lang="en-US"/>
               <a:t>ECON 21410. Introduction</a:t>
             </a:r>
             <a:endParaRPr lang="en-US" dirty="0"/>
@@ -7315,13 +7105,6 @@
   <p:clrMapOvr>
     <a:masterClrMapping/>
   </p:clrMapOvr>
-  <p:timing>
-    <p:tnLst>
-      <p:par>
-        <p:cTn id="1" dur="indefinite" restart="never" nodeType="tmRoot"/>
-      </p:par>
-    </p:tnLst>
-  </p:timing>
 </p:sld>
 </file>
 
@@ -7358,53 +7141,49 @@
           <a:lstStyle/>
           <a:p>
             <a:r>
-              <a:rPr lang="en-US" sz="2800" dirty="0" smtClean="0"/>
+              <a:rPr lang="en-US" sz="2800" dirty="0"/>
               <a:t>Confusion with course description</a:t>
             </a:r>
           </a:p>
           <a:p>
             <a:pPr lvl="1"/>
             <a:r>
-              <a:rPr lang="en-US" dirty="0" smtClean="0"/>
+              <a:rPr lang="en-US" dirty="0"/>
               <a:t>Interest in Python?</a:t>
             </a:r>
           </a:p>
           <a:p>
             <a:pPr lvl="1"/>
             <a:r>
-              <a:rPr lang="en-US" dirty="0" smtClean="0"/>
+              <a:rPr lang="en-US" dirty="0"/>
               <a:t>Interest in R?</a:t>
             </a:r>
           </a:p>
           <a:p>
             <a:pPr lvl="1"/>
             <a:r>
-              <a:rPr lang="en-US" dirty="0" smtClean="0"/>
+              <a:rPr lang="en-US" dirty="0"/>
               <a:t>Stata?</a:t>
             </a:r>
           </a:p>
           <a:p>
             <a:pPr lvl="1"/>
             <a:r>
-              <a:rPr lang="en-US" dirty="0" smtClean="0"/>
+              <a:rPr lang="en-US" dirty="0"/>
               <a:t>Macroeconomics or Finance?</a:t>
             </a:r>
           </a:p>
           <a:p>
             <a:r>
-              <a:rPr lang="en-US" sz="2800" dirty="0" smtClean="0"/>
+              <a:rPr lang="en-US" sz="2800" dirty="0"/>
               <a:t>Examples from other fields</a:t>
             </a:r>
           </a:p>
           <a:p>
             <a:pPr lvl="1"/>
             <a:r>
-              <a:rPr lang="en-US" sz="2400" dirty="0" smtClean="0"/>
-              <a:t>Labor economics, Urban economics, Industrial organization</a:t>
-            </a:r>
-            <a:r>
               <a:rPr lang="en-US" sz="2400" dirty="0"/>
-              <a:t/>
+              <a:t>Econometrics, Labor economics, Urban economics, Industrial organization</a:t>
             </a:r>
             <a:br>
               <a:rPr lang="en-US" sz="2400" dirty="0"/>
@@ -7454,7 +7233,7 @@
               <a:defRPr/>
             </a:pPr>
             <a:r>
-              <a:rPr lang="en-US" smtClean="0"/>
+              <a:rPr lang="en-US"/>
               <a:t>ECON 21410. Introduction</a:t>
             </a:r>
             <a:endParaRPr lang="en-US" dirty="0"/>
@@ -7471,13 +7250,6 @@
   <p:clrMapOvr>
     <a:masterClrMapping/>
   </p:clrMapOvr>
-  <p:timing>
-    <p:tnLst>
-      <p:par>
-        <p:cTn id="1" dur="indefinite" restart="never" nodeType="tmRoot"/>
-      </p:par>
-    </p:tnLst>
-  </p:timing>
 </p:sld>
 </file>
 
@@ -7515,135 +7287,89 @@
           <a:p>
             <a:r>
               <a:rPr lang="en-US" dirty="0"/>
-              <a:t>ECON 21410: Computational Methods in </a:t>
-            </a:r>
-            <a:r>
-              <a:rPr lang="en-US" dirty="0" smtClean="0"/>
-              <a:t>Economics</a:t>
-            </a:r>
-          </a:p>
-          <a:p>
-            <a:r>
-              <a:rPr lang="en-US" dirty="0" smtClean="0"/>
+              <a:t>ECON 21410: Computational Methods in Economics</a:t>
+            </a:r>
+          </a:p>
+          <a:p>
+            <a:r>
+              <a:rPr lang="en-US" dirty="0"/>
               <a:t>Prerequisites: </a:t>
             </a:r>
           </a:p>
           <a:p>
             <a:pPr lvl="1"/>
             <a:r>
-              <a:rPr lang="en-US" dirty="0" smtClean="0"/>
-              <a:t>ECON </a:t>
-            </a:r>
-            <a:r>
               <a:rPr lang="en-US" dirty="0"/>
-              <a:t>20100 </a:t>
-            </a:r>
-            <a:r>
-              <a:rPr lang="en-US" dirty="0" smtClean="0"/>
-              <a:t>(</a:t>
-            </a:r>
+              <a:t>ECON 20100 (The Elements of Economic Analysis II)</a:t>
+            </a:r>
+          </a:p>
+          <a:p>
+            <a:pPr lvl="1"/>
             <a:r>
               <a:rPr lang="en-US" dirty="0"/>
-              <a:t>The Elements of Economic Analysis </a:t>
-            </a:r>
-            <a:r>
-              <a:rPr lang="en-US" dirty="0" smtClean="0"/>
-              <a:t>II)</a:t>
+              <a:t>ECON 21020 or ECON 21030 (Econometrics or Econometrics Honors)</a:t>
+            </a:r>
+          </a:p>
+          <a:p>
+            <a:r>
+              <a:rPr lang="en-US" dirty="0"/>
+              <a:t>Recommended:</a:t>
             </a:r>
           </a:p>
           <a:p>
             <a:pPr lvl="1"/>
             <a:r>
-              <a:rPr lang="en-US" dirty="0" smtClean="0"/>
-              <a:t>ECON </a:t>
-            </a:r>
-            <a:r>
               <a:rPr lang="en-US" dirty="0"/>
-              <a:t>21020 or ECON </a:t>
-            </a:r>
-            <a:r>
-              <a:rPr lang="en-US" dirty="0" smtClean="0"/>
-              <a:t>21030 (Econometrics or Econometrics Honors)</a:t>
-            </a:r>
-          </a:p>
-          <a:p>
-            <a:r>
-              <a:rPr lang="en-US" dirty="0" smtClean="0"/>
-              <a:t>Recommended:</a:t>
-            </a:r>
-          </a:p>
-          <a:p>
-            <a:pPr lvl="1"/>
-            <a:r>
-              <a:rPr lang="en-US" dirty="0" smtClean="0"/>
-              <a:t>ECON </a:t>
-            </a:r>
+              <a:t>ECON 20200 (The Elements of Economic Analysis III – covers macro topics)</a:t>
+            </a:r>
+          </a:p>
+        </p:txBody>
+      </p:sp>
+      <p:sp>
+        <p:nvSpPr>
+          <p:cNvPr id="3" name="Title 2"/>
+          <p:cNvSpPr>
+            <a:spLocks noGrp="1"/>
+          </p:cNvSpPr>
+          <p:nvPr>
+            <p:ph type="title"/>
+          </p:nvPr>
+        </p:nvSpPr>
+        <p:spPr/>
+        <p:txBody>
+          <a:bodyPr/>
+          <a:lstStyle/>
+          <a:p>
             <a:r>
               <a:rPr lang="en-US" dirty="0"/>
-              <a:t>20200 </a:t>
-            </a:r>
-            <a:r>
-              <a:rPr lang="en-US" dirty="0" smtClean="0"/>
-              <a:t>(</a:t>
-            </a:r>
-            <a:r>
-              <a:rPr lang="en-US" dirty="0"/>
-              <a:t>The Elements of Economic Analysis </a:t>
-            </a:r>
-            <a:r>
-              <a:rPr lang="en-US" dirty="0" smtClean="0"/>
-              <a:t>III – covers macro topics)</a:t>
+              <a:t>About this class</a:t>
+            </a:r>
+          </a:p>
+        </p:txBody>
+      </p:sp>
+      <p:sp>
+        <p:nvSpPr>
+          <p:cNvPr id="4" name="Footer Placeholder 3"/>
+          <p:cNvSpPr>
+            <a:spLocks noGrp="1"/>
+          </p:cNvSpPr>
+          <p:nvPr>
+            <p:ph type="ftr" sz="quarter" idx="11"/>
+          </p:nvPr>
+        </p:nvSpPr>
+        <p:spPr/>
+        <p:txBody>
+          <a:bodyPr/>
+          <a:lstStyle/>
+          <a:p>
+            <a:pPr>
+              <a:defRPr/>
+            </a:pPr>
+            <a:r>
+              <a:rPr lang="en-US"/>
+              <a:t>ECON 21410. Introduction</a:t>
             </a:r>
             <a:endParaRPr lang="en-US" dirty="0"/>
-          </a:p>
-        </p:txBody>
-      </p:sp>
-      <p:sp>
-        <p:nvSpPr>
-          <p:cNvPr id="3" name="Title 2"/>
-          <p:cNvSpPr>
-            <a:spLocks noGrp="1"/>
-          </p:cNvSpPr>
-          <p:nvPr>
-            <p:ph type="title"/>
-          </p:nvPr>
-        </p:nvSpPr>
-        <p:spPr/>
-        <p:txBody>
-          <a:bodyPr/>
-          <a:lstStyle/>
-          <a:p>
-            <a:r>
-              <a:rPr lang="en-US" dirty="0" smtClean="0"/>
-              <a:t>About this class</a:t>
-            </a:r>
-            <a:endParaRPr lang="en-US" dirty="0"/>
-          </a:p>
-        </p:txBody>
-      </p:sp>
-      <p:sp>
-        <p:nvSpPr>
-          <p:cNvPr id="4" name="Footer Placeholder 3"/>
-          <p:cNvSpPr>
-            <a:spLocks noGrp="1"/>
-          </p:cNvSpPr>
-          <p:nvPr>
-            <p:ph type="ftr" sz="quarter" idx="11"/>
-          </p:nvPr>
-        </p:nvSpPr>
-        <p:spPr/>
-        <p:txBody>
-          <a:bodyPr/>
-          <a:lstStyle/>
-          <a:p>
-            <a:pPr>
-              <a:defRPr/>
-            </a:pPr>
-            <a:r>
-              <a:rPr lang="en-US" smtClean="0"/>
-              <a:t>ECON 21410. Introduction</a:t>
-            </a:r>
-            <a:endParaRPr lang="en-US" dirty="0" smtClean="0"/>
           </a:p>
         </p:txBody>
       </p:sp>
@@ -7657,13 +7383,6 @@
   <p:clrMapOvr>
     <a:masterClrMapping/>
   </p:clrMapOvr>
-  <p:timing>
-    <p:tnLst>
-      <p:par>
-        <p:cTn id="1" dur="indefinite" restart="never" nodeType="tmRoot"/>
-      </p:par>
-    </p:tnLst>
-  </p:timing>
 </p:sld>
 </file>
 
@@ -7700,7 +7419,7 @@
           <a:lstStyle/>
           <a:p>
             <a:r>
-              <a:rPr lang="en-US" dirty="0" smtClean="0"/>
+              <a:rPr lang="en-US" dirty="0"/>
               <a:t>Navigate to course GitHub page:</a:t>
             </a:r>
           </a:p>
@@ -7710,19 +7429,13 @@
               <a:rPr lang="en-US" dirty="0">
                 <a:hlinkClick r:id="rId2"/>
               </a:rPr>
-              <a:t>https://</a:t>
-            </a:r>
-            <a:r>
-              <a:rPr lang="en-US" dirty="0" smtClean="0">
-                <a:hlinkClick r:id="rId2"/>
-              </a:rPr>
-              <a:t>github.com/jmbejara/comp-econ-sp18</a:t>
-            </a:r>
-            <a:endParaRPr lang="en-US" dirty="0" smtClean="0"/>
-          </a:p>
-          <a:p>
-            <a:r>
-              <a:rPr lang="en-US" dirty="0" smtClean="0"/>
+              <a:t>https://github.com/jmbejara/comp-econ-sp19</a:t>
+            </a:r>
+            <a:endParaRPr lang="en-US" dirty="0"/>
+          </a:p>
+          <a:p>
+            <a:r>
+              <a:rPr lang="en-US" dirty="0"/>
               <a:t>Explain how </a:t>
             </a:r>
           </a:p>
@@ -7732,7 +7445,7 @@
               <a:buAutoNum type="arabicPeriod"/>
             </a:pPr>
             <a:r>
-              <a:rPr lang="en-US" dirty="0" smtClean="0"/>
+              <a:rPr lang="en-US" dirty="0"/>
               <a:t>course material, including schedule, is on GitHub,</a:t>
             </a:r>
           </a:p>
@@ -7742,7 +7455,7 @@
               <a:buAutoNum type="arabicPeriod"/>
             </a:pPr>
             <a:r>
-              <a:rPr lang="en-US" dirty="0" smtClean="0"/>
+              <a:rPr lang="en-US" dirty="0"/>
               <a:t>assignments will be turned in via GitHub,</a:t>
             </a:r>
           </a:p>
@@ -7752,13 +7465,13 @@
               <a:buAutoNum type="arabicPeriod"/>
             </a:pPr>
             <a:r>
-              <a:rPr lang="en-US" dirty="0" smtClean="0"/>
+              <a:rPr lang="en-US" dirty="0"/>
               <a:t>and grades will be posted on Canvas.</a:t>
             </a:r>
           </a:p>
           <a:p>
             <a:r>
-              <a:rPr lang="en-US" dirty="0" smtClean="0"/>
+              <a:rPr lang="en-US" dirty="0"/>
               <a:t>Go over syllabus:</a:t>
             </a:r>
           </a:p>
@@ -7768,21 +7481,15 @@
               <a:rPr lang="en-US" dirty="0">
                 <a:hlinkClick r:id="rId3"/>
               </a:rPr>
-              <a:t>https://</a:t>
-            </a:r>
-            <a:r>
-              <a:rPr lang="en-US" dirty="0" smtClean="0">
-                <a:hlinkClick r:id="rId3"/>
-              </a:rPr>
-              <a:t>github.com/jmbejara/comp-econ-sp18/blob/master/Syllabus-Computational-Economics.pdf</a:t>
-            </a:r>
-            <a:endParaRPr lang="en-US" dirty="0" smtClean="0"/>
+              <a:t>https://github.com/jmbejara/comp-econ-sp19/blob/master/Syllabus-Computational-Economics.pdf</a:t>
+            </a:r>
+            <a:endParaRPr lang="en-US" dirty="0"/>
           </a:p>
           <a:p>
             <a:pPr marL="0" indent="0">
               <a:buNone/>
             </a:pPr>
-            <a:endParaRPr lang="en-US" dirty="0" smtClean="0"/>
+            <a:endParaRPr lang="en-US" dirty="0"/>
           </a:p>
         </p:txBody>
       </p:sp>
@@ -7802,36 +7509,35 @@
           <a:lstStyle/>
           <a:p>
             <a:r>
-              <a:rPr lang="en-US" dirty="0" smtClean="0"/>
+              <a:rPr lang="en-US" dirty="0"/>
               <a:t>About this class</a:t>
             </a:r>
+          </a:p>
+        </p:txBody>
+      </p:sp>
+      <p:sp>
+        <p:nvSpPr>
+          <p:cNvPr id="4" name="Footer Placeholder 3"/>
+          <p:cNvSpPr>
+            <a:spLocks noGrp="1"/>
+          </p:cNvSpPr>
+          <p:nvPr>
+            <p:ph type="ftr" sz="quarter" idx="11"/>
+          </p:nvPr>
+        </p:nvSpPr>
+        <p:spPr/>
+        <p:txBody>
+          <a:bodyPr/>
+          <a:lstStyle/>
+          <a:p>
+            <a:pPr>
+              <a:defRPr/>
+            </a:pPr>
+            <a:r>
+              <a:rPr lang="en-US"/>
+              <a:t>ECON 21410. Introduction</a:t>
+            </a:r>
             <a:endParaRPr lang="en-US" dirty="0"/>
-          </a:p>
-        </p:txBody>
-      </p:sp>
-      <p:sp>
-        <p:nvSpPr>
-          <p:cNvPr id="4" name="Footer Placeholder 3"/>
-          <p:cNvSpPr>
-            <a:spLocks noGrp="1"/>
-          </p:cNvSpPr>
-          <p:nvPr>
-            <p:ph type="ftr" sz="quarter" idx="11"/>
-          </p:nvPr>
-        </p:nvSpPr>
-        <p:spPr/>
-        <p:txBody>
-          <a:bodyPr/>
-          <a:lstStyle/>
-          <a:p>
-            <a:pPr>
-              <a:defRPr/>
-            </a:pPr>
-            <a:r>
-              <a:rPr lang="en-US" smtClean="0"/>
-              <a:t>ECON 21410. Introduction</a:t>
-            </a:r>
-            <a:endParaRPr lang="en-US" dirty="0" smtClean="0"/>
           </a:p>
         </p:txBody>
       </p:sp>
@@ -7845,13 +7551,6 @@
   <p:clrMapOvr>
     <a:masterClrMapping/>
   </p:clrMapOvr>
-  <p:timing>
-    <p:tnLst>
-      <p:par>
-        <p:cTn id="1" dur="indefinite" restart="never" nodeType="tmRoot"/>
-      </p:par>
-    </p:tnLst>
-  </p:timing>
 </p:sld>
 </file>
 
@@ -7888,64 +7587,55 @@
           <a:lstStyle/>
           <a:p>
             <a:r>
-              <a:rPr lang="en-US" dirty="0" smtClean="0"/>
+              <a:rPr lang="en-US" dirty="0"/>
               <a:t>Quotes from </a:t>
             </a:r>
             <a:r>
-              <a:rPr lang="en-US" dirty="0" err="1" smtClean="0"/>
+              <a:rPr lang="en-US" dirty="0" err="1"/>
               <a:t>Gentskow</a:t>
             </a:r>
             <a:r>
-              <a:rPr lang="en-US" dirty="0" smtClean="0"/>
+              <a:rPr lang="en-US" dirty="0"/>
               <a:t> and Shapiro</a:t>
             </a:r>
           </a:p>
           <a:p>
             <a:r>
-              <a:rPr lang="en-US" dirty="0" smtClean="0"/>
+              <a:rPr lang="en-US" dirty="0"/>
               <a:t>Personal Demos</a:t>
             </a:r>
           </a:p>
           <a:p>
             <a:r>
-              <a:rPr lang="en-US" dirty="0" smtClean="0"/>
+              <a:rPr lang="en-US" dirty="0"/>
               <a:t>Example class projects/assignments</a:t>
             </a:r>
           </a:p>
           <a:p>
             <a:r>
-              <a:rPr lang="en-US" dirty="0" err="1" smtClean="0"/>
+              <a:rPr lang="en-US" dirty="0" err="1"/>
               <a:t>QuantEcon</a:t>
             </a:r>
             <a:r>
-              <a:rPr lang="en-US" dirty="0" smtClean="0"/>
+              <a:rPr lang="en-US" dirty="0"/>
               <a:t> project. What is it?</a:t>
             </a:r>
           </a:p>
           <a:p>
             <a:r>
-              <a:rPr lang="en-US" dirty="0" err="1" smtClean="0"/>
+              <a:rPr lang="en-US" dirty="0" err="1"/>
               <a:t>QuantEcon</a:t>
             </a:r>
             <a:r>
-              <a:rPr lang="en-US" dirty="0" smtClean="0"/>
-              <a:t>: </a:t>
-            </a:r>
-            <a:r>
               <a:rPr lang="en-US" dirty="0"/>
-              <a:t>About Python </a:t>
-            </a:r>
-            <a:endParaRPr lang="en-US" dirty="0" smtClean="0"/>
+              <a:t>: About Python </a:t>
+            </a:r>
           </a:p>
           <a:p>
             <a:pPr lvl="1"/>
             <a:r>
-              <a:rPr lang="en-US" dirty="0" smtClean="0"/>
-              <a:t>https</a:t>
-            </a:r>
-            <a:r>
               <a:rPr lang="en-US" dirty="0"/>
-              <a:t>://lectures.quantecon.org/py/about_py.html</a:t>
+              <a:t>https://lectures.quantecon.org/py/about_py.html</a:t>
             </a:r>
           </a:p>
         </p:txBody>
@@ -7966,10 +7656,9 @@
           <a:lstStyle/>
           <a:p>
             <a:r>
-              <a:rPr lang="en-US" dirty="0" smtClean="0"/>
+              <a:rPr lang="en-US" dirty="0"/>
               <a:t>Motivation</a:t>
             </a:r>
-            <a:endParaRPr lang="en-US" dirty="0"/>
           </a:p>
         </p:txBody>
       </p:sp>
@@ -7992,7 +7681,7 @@
               <a:defRPr/>
             </a:pPr>
             <a:r>
-              <a:rPr lang="en-US" smtClean="0"/>
+              <a:rPr lang="en-US"/>
               <a:t>ECON 21410. Introduction</a:t>
             </a:r>
             <a:endParaRPr lang="en-US" dirty="0"/>
@@ -8009,13 +7698,6 @@
   <p:clrMapOvr>
     <a:masterClrMapping/>
   </p:clrMapOvr>
-  <p:timing>
-    <p:tnLst>
-      <p:par>
-        <p:cTn id="1" dur="indefinite" restart="never" nodeType="tmRoot"/>
-      </p:par>
-    </p:tnLst>
-  </p:timing>
 </p:sld>
 </file>
 
@@ -8052,27 +7734,18 @@
           <a:lstStyle/>
           <a:p>
             <a:r>
-              <a:rPr lang="en-US" sz="2400" dirty="0" err="1" smtClean="0"/>
+              <a:rPr lang="en-US" sz="2400" dirty="0" err="1"/>
               <a:t>Gentzkow</a:t>
             </a:r>
             <a:r>
               <a:rPr lang="en-US" sz="2400" dirty="0"/>
-              <a:t> and Shapiro, “Code and Data for the Social Sciences: A Practitioner’s </a:t>
-            </a:r>
-            <a:r>
-              <a:rPr lang="en-US" sz="2400" dirty="0" smtClean="0"/>
-              <a:t>Guide”</a:t>
-            </a:r>
-            <a:endParaRPr lang="en-US" sz="2400" dirty="0"/>
-          </a:p>
-          <a:p>
-            <a:r>
-              <a:rPr lang="en-US" sz="2400" dirty="0" smtClean="0"/>
-              <a:t>What </a:t>
-            </a:r>
+              <a:t> and Shapiro, “Code and Data for the Social Sciences: A Practitioner’s Guide”</a:t>
+            </a:r>
+          </a:p>
+          <a:p>
             <a:r>
               <a:rPr lang="en-US" sz="2400" dirty="0"/>
-              <a:t>does it mean to do empirical social science? Asking good questions. Digging up novel data. Designing statistical analysis. Writing up results. For many of us, most of the time, what it means is writing and debugging code. We write code to clean data, to transform data, to scrape data, and to merge data. We write code to execute statistical analyses, to simulate models, to format results, to produce plots. We stare at, puzzle over, fight with, and curse at code that isn’t working the way we expect it to. We dig through old code trying to figure out what we were thinking when we wrote it, or why we’re getting a different result from the one we got the week before.</a:t>
+              <a:t>What does it mean to do empirical social science? Asking good questions. Digging up novel data. Designing statistical analysis. Writing up results. For many of us, most of the time, what it means is writing and debugging code. We write code to clean data, to transform data, to scrape data, and to merge data. We write code to execute statistical analyses, to simulate models, to format results, to produce plots. We stare at, puzzle over, fight with, and curse at code that isn’t working the way we expect it to. We dig through old code trying to figure out what we were thinking when we wrote it, or why we’re getting a different result from the one we got the week before.</a:t>
             </a:r>
           </a:p>
         </p:txBody>
@@ -8093,10 +7766,9 @@
           <a:lstStyle/>
           <a:p>
             <a:r>
-              <a:rPr lang="en-US" dirty="0" smtClean="0"/>
+              <a:rPr lang="en-US" dirty="0"/>
               <a:t>Motivation</a:t>
             </a:r>
-            <a:endParaRPr lang="en-US" dirty="0"/>
           </a:p>
         </p:txBody>
       </p:sp>
@@ -8119,7 +7791,7 @@
               <a:defRPr/>
             </a:pPr>
             <a:r>
-              <a:rPr lang="en-US" smtClean="0"/>
+              <a:rPr lang="en-US"/>
               <a:t>ECON 21410. Introduction</a:t>
             </a:r>
             <a:endParaRPr lang="en-US" dirty="0"/>
@@ -8136,13 +7808,6 @@
   <p:clrMapOvr>
     <a:masterClrMapping/>
   </p:clrMapOvr>
-  <p:timing>
-    <p:tnLst>
-      <p:par>
-        <p:cTn id="1" dur="indefinite" restart="never" nodeType="tmRoot"/>
-      </p:par>
-    </p:tnLst>
-  </p:timing>
 </p:sld>
 </file>
 
@@ -8180,25 +7845,13 @@
           <a:p>
             <a:r>
               <a:rPr lang="en-US" sz="2000" dirty="0"/>
-              <a:t>Though we all write code for a living, few of the economists, political scientists, psychologists, sociologists, or other empirical researchers we know have any formal training in computer science. Most of them picked up the basics of programming without much effort, and have never given it much thought since. Saying they should spend more time thinking about the way they write code would be like telling a novelist that she should spend more time thinking about how best to use Microsoft Word. Sure, there are people who take whole courses in how to change fonts or do mail merge, but anyone moderately clever just opens the thing up and figures out how it works along the way</a:t>
-            </a:r>
-            <a:r>
-              <a:rPr lang="en-US" sz="2000" dirty="0" smtClean="0"/>
-              <a:t>.</a:t>
+              <a:t>Though we all write code for a living, few of the economists, political scientists, psychologists, sociologists, or other empirical researchers we know have any formal training in computer science. Most of them picked up the basics of programming without much effort, and have never given it much thought since. Saying they should spend more time thinking about the way they write code would be like telling a novelist that she should spend more time thinking about how best to use Microsoft Word. Sure, there are people who take whole courses in how to change fonts or do mail merge, but anyone moderately clever just opens the thing up and figures out how it works along the way.</a:t>
             </a:r>
           </a:p>
           <a:p>
             <a:r>
               <a:rPr lang="en-US" sz="2000" i="1" dirty="0"/>
-              <a:t>This manual began with a growing sense that our own version of this self-taught </a:t>
-            </a:r>
-            <a:r>
-              <a:rPr lang="en-US" sz="2000" i="1" dirty="0" smtClean="0"/>
-              <a:t>seat-of-the-pants </a:t>
-            </a:r>
-            <a:r>
-              <a:rPr lang="en-US" sz="2000" i="1" dirty="0"/>
-              <a:t>approach to computing was hitting its limits.</a:t>
+              <a:t>This manual began with a growing sense that our own version of this self-taught seat-of-the-pants approach to computing was hitting its limits.</a:t>
             </a:r>
           </a:p>
         </p:txBody>
@@ -8219,10 +7872,9 @@
           <a:lstStyle/>
           <a:p>
             <a:r>
-              <a:rPr lang="en-US" dirty="0" smtClean="0"/>
+              <a:rPr lang="en-US" dirty="0"/>
               <a:t>Motivation</a:t>
             </a:r>
-            <a:endParaRPr lang="en-US" dirty="0"/>
           </a:p>
         </p:txBody>
       </p:sp>
@@ -8245,7 +7897,7 @@
               <a:defRPr/>
             </a:pPr>
             <a:r>
-              <a:rPr lang="en-US" smtClean="0"/>
+              <a:rPr lang="en-US"/>
               <a:t>ECON 21410. Introduction</a:t>
             </a:r>
             <a:endParaRPr lang="en-US" dirty="0"/>
@@ -8262,13 +7914,6 @@
   <p:clrMapOvr>
     <a:masterClrMapping/>
   </p:clrMapOvr>
-  <p:timing>
-    <p:tnLst>
-      <p:par>
-        <p:cTn id="1" dur="indefinite" restart="never" nodeType="tmRoot"/>
-      </p:par>
-    </p:tnLst>
-  </p:timing>
 </p:sld>
 </file>
 
